--- a/docs/images/MapReduce.pptx
+++ b/docs/images/MapReduce.pptx
@@ -3321,12 +3321,127 @@
           <a:chExt cx="0" cy="0"/>
         </a:xfrm>
       </p:grpSpPr>
+      <p:sp>
+        <p:nvSpPr>
+          <p:cNvPr id="83" name="Rounded Rectangle 82">
+            <a:extLst>
+              <a:ext uri="{FF2B5EF4-FFF2-40B4-BE49-F238E27FC236}">
+                <a16:creationId xmlns:a16="http://schemas.microsoft.com/office/drawing/2014/main" id="{29D8806D-9743-0748-989E-663F38654370}"/>
+              </a:ext>
+            </a:extLst>
+          </p:cNvPr>
+          <p:cNvSpPr/>
+          <p:nvPr/>
+        </p:nvSpPr>
+        <p:spPr>
+          <a:xfrm>
+            <a:off x="722612" y="65314"/>
+            <a:ext cx="9710710" cy="6699380"/>
+          </a:xfrm>
+          <a:prstGeom prst="roundRect">
+            <a:avLst/>
+          </a:prstGeom>
+          <a:solidFill>
+            <a:schemeClr val="accent1">
+              <a:lumMod val="60000"/>
+              <a:lumOff val="40000"/>
+            </a:schemeClr>
+          </a:solidFill>
+        </p:spPr>
+        <p:style>
+          <a:lnRef idx="2">
+            <a:schemeClr val="accent1">
+              <a:shade val="50000"/>
+            </a:schemeClr>
+          </a:lnRef>
+          <a:fillRef idx="1">
+            <a:schemeClr val="accent1"/>
+          </a:fillRef>
+          <a:effectRef idx="0">
+            <a:schemeClr val="accent1"/>
+          </a:effectRef>
+          <a:fontRef idx="minor">
+            <a:schemeClr val="lt1"/>
+          </a:fontRef>
+        </p:style>
+        <p:txBody>
+          <a:bodyPr rtlCol="0" anchor="ctr"/>
+          <a:lstStyle/>
+          <a:p>
+            <a:pPr algn="ctr"/>
+            <a:endParaRPr lang="en-US"/>
+          </a:p>
+        </p:txBody>
+      </p:sp>
+      <p:sp>
+        <p:nvSpPr>
+          <p:cNvPr id="87" name="Rectangle 86">
+            <a:extLst>
+              <a:ext uri="{FF2B5EF4-FFF2-40B4-BE49-F238E27FC236}">
+                <a16:creationId xmlns:a16="http://schemas.microsoft.com/office/drawing/2014/main" id="{B035D7F3-6EBF-BD45-8B0D-52D394452858}"/>
+              </a:ext>
+            </a:extLst>
+          </p:cNvPr>
+          <p:cNvSpPr/>
+          <p:nvPr/>
+        </p:nvSpPr>
+        <p:spPr>
+          <a:xfrm>
+            <a:off x="8326102" y="4576903"/>
+            <a:ext cx="1605360" cy="1734395"/>
+          </a:xfrm>
+          <a:prstGeom prst="rect">
+            <a:avLst/>
+          </a:prstGeom>
+          <a:solidFill>
+            <a:schemeClr val="bg1">
+              <a:lumMod val="85000"/>
+            </a:schemeClr>
+          </a:solidFill>
+        </p:spPr>
+        <p:style>
+          <a:lnRef idx="2">
+            <a:schemeClr val="accent1">
+              <a:shade val="50000"/>
+            </a:schemeClr>
+          </a:lnRef>
+          <a:fillRef idx="1">
+            <a:schemeClr val="accent1"/>
+          </a:fillRef>
+          <a:effectRef idx="0">
+            <a:schemeClr val="accent1"/>
+          </a:effectRef>
+          <a:fontRef idx="minor">
+            <a:schemeClr val="lt1"/>
+          </a:fontRef>
+        </p:style>
+        <p:txBody>
+          <a:bodyPr rtlCol="0" anchor="t"/>
+          <a:lstStyle/>
+          <a:p>
+            <a:pPr algn="ctr"/>
+            <a:r>
+              <a:rPr lang="en-US" sz="2800" dirty="0">
+                <a:solidFill>
+                  <a:schemeClr val="tx1"/>
+                </a:solidFill>
+              </a:rPr>
+              <a:t>Key</a:t>
+            </a:r>
+            <a:endParaRPr lang="en-US" dirty="0">
+              <a:solidFill>
+                <a:schemeClr val="tx1"/>
+              </a:solidFill>
+            </a:endParaRPr>
+          </a:p>
+        </p:txBody>
+      </p:sp>
       <p:grpSp>
         <p:nvGrpSpPr>
-          <p:cNvPr id="32" name="Group 31">
-            <a:extLst>
-              <a:ext uri="{FF2B5EF4-FFF2-40B4-BE49-F238E27FC236}">
-                <a16:creationId xmlns:a16="http://schemas.microsoft.com/office/drawing/2014/main" id="{6644BDE4-3338-2343-81F3-33D69E7242CE}"/>
+          <p:cNvPr id="81" name="Group 80">
+            <a:extLst>
+              <a:ext uri="{FF2B5EF4-FFF2-40B4-BE49-F238E27FC236}">
+                <a16:creationId xmlns:a16="http://schemas.microsoft.com/office/drawing/2014/main" id="{1B893BB6-03A7-8F4F-87F8-5B6E3A4664FF}"/>
               </a:ext>
             </a:extLst>
           </p:cNvPr>
@@ -3335,18 +3450,129 @@
         </p:nvGrpSpPr>
         <p:grpSpPr>
           <a:xfrm>
-            <a:off x="4095936" y="2308399"/>
-            <a:ext cx="1371600" cy="527566"/>
-            <a:chOff x="1719469" y="764522"/>
-            <a:chExt cx="1371600" cy="527566"/>
+            <a:off x="867243" y="149289"/>
+            <a:ext cx="9615312" cy="6516015"/>
+            <a:chOff x="1719469" y="30039"/>
+            <a:chExt cx="6183392" cy="3373720"/>
           </a:xfrm>
         </p:grpSpPr>
+        <p:grpSp>
+          <p:nvGrpSpPr>
+            <p:cNvPr id="32" name="Group 31">
+              <a:extLst>
+                <a:ext uri="{FF2B5EF4-FFF2-40B4-BE49-F238E27FC236}">
+                  <a16:creationId xmlns:a16="http://schemas.microsoft.com/office/drawing/2014/main" id="{6644BDE4-3338-2343-81F3-33D69E7242CE}"/>
+                </a:ext>
+              </a:extLst>
+            </p:cNvPr>
+            <p:cNvGrpSpPr/>
+            <p:nvPr/>
+          </p:nvGrpSpPr>
+          <p:grpSpPr>
+            <a:xfrm>
+              <a:off x="4095936" y="2308399"/>
+              <a:ext cx="1371600" cy="527566"/>
+              <a:chOff x="1719469" y="764522"/>
+              <a:chExt cx="1371600" cy="527566"/>
+            </a:xfrm>
+          </p:grpSpPr>
+          <p:sp>
+            <p:nvSpPr>
+              <p:cNvPr id="33" name="Oval 32">
+                <a:extLst>
+                  <a:ext uri="{FF2B5EF4-FFF2-40B4-BE49-F238E27FC236}">
+                    <a16:creationId xmlns:a16="http://schemas.microsoft.com/office/drawing/2014/main" id="{EE6AB651-BB1D-A14C-93E8-84F91790DA8C}"/>
+                  </a:ext>
+                </a:extLst>
+              </p:cNvPr>
+              <p:cNvSpPr/>
+              <p:nvPr/>
+            </p:nvSpPr>
+            <p:spPr>
+              <a:xfrm>
+                <a:off x="1719469" y="764522"/>
+                <a:ext cx="1371600" cy="527566"/>
+              </a:xfrm>
+              <a:prstGeom prst="ellipse">
+                <a:avLst/>
+              </a:prstGeom>
+              <a:solidFill>
+                <a:schemeClr val="bg1"/>
+              </a:solidFill>
+              <a:ln w="19050">
+                <a:solidFill>
+                  <a:schemeClr val="tx1"/>
+                </a:solidFill>
+              </a:ln>
+            </p:spPr>
+            <p:style>
+              <a:lnRef idx="2">
+                <a:schemeClr val="accent1">
+                  <a:shade val="50000"/>
+                </a:schemeClr>
+              </a:lnRef>
+              <a:fillRef idx="1">
+                <a:schemeClr val="accent1"/>
+              </a:fillRef>
+              <a:effectRef idx="0">
+                <a:schemeClr val="accent1"/>
+              </a:effectRef>
+              <a:fontRef idx="minor">
+                <a:schemeClr val="lt1"/>
+              </a:fontRef>
+            </p:style>
+            <p:txBody>
+              <a:bodyPr rtlCol="0" anchor="ctr"/>
+              <a:lstStyle/>
+              <a:p>
+                <a:pPr algn="ctr"/>
+                <a:endParaRPr lang="en-US" sz="2800" dirty="0"/>
+              </a:p>
+            </p:txBody>
+          </p:sp>
+          <p:sp>
+            <p:nvSpPr>
+              <p:cNvPr id="34" name="TextBox 33">
+                <a:extLst>
+                  <a:ext uri="{FF2B5EF4-FFF2-40B4-BE49-F238E27FC236}">
+                    <a16:creationId xmlns:a16="http://schemas.microsoft.com/office/drawing/2014/main" id="{11EA4725-9907-8A46-A817-57EF52023141}"/>
+                  </a:ext>
+                </a:extLst>
+              </p:cNvPr>
+              <p:cNvSpPr txBox="1"/>
+              <p:nvPr/>
+            </p:nvSpPr>
+            <p:spPr>
+              <a:xfrm>
+                <a:off x="1864952" y="880171"/>
+                <a:ext cx="1112687" cy="306121"/>
+              </a:xfrm>
+              <a:prstGeom prst="rect">
+                <a:avLst/>
+              </a:prstGeom>
+              <a:noFill/>
+            </p:spPr>
+            <p:txBody>
+              <a:bodyPr wrap="none" rtlCol="0">
+                <a:spAutoFit/>
+              </a:bodyPr>
+              <a:lstStyle/>
+              <a:p>
+                <a:r>
+                  <a:rPr lang="en-US" sz="2800" dirty="0" err="1"/>
+                  <a:t>app_sum</a:t>
+                </a:r>
+                <a:endParaRPr lang="en-US" sz="2800" dirty="0"/>
+              </a:p>
+            </p:txBody>
+          </p:sp>
+        </p:grpSp>
         <p:sp>
           <p:nvSpPr>
-            <p:cNvPr id="33" name="Oval 32">
+            <p:cNvPr id="37" name="Rectangle 36">
               <a:extLst>
                 <a:ext uri="{FF2B5EF4-FFF2-40B4-BE49-F238E27FC236}">
-                  <a16:creationId xmlns:a16="http://schemas.microsoft.com/office/drawing/2014/main" id="{EE6AB651-BB1D-A14C-93E8-84F91790DA8C}"/>
+                  <a16:creationId xmlns:a16="http://schemas.microsoft.com/office/drawing/2014/main" id="{B340FC5F-DF56-B040-90F4-4D3884536490}"/>
                 </a:ext>
               </a:extLst>
             </p:cNvPr>
@@ -3355,16 +3581,18 @@
           </p:nvSpPr>
           <p:spPr>
             <a:xfrm>
-              <a:off x="1719469" y="764522"/>
-              <a:ext cx="1371600" cy="527566"/>
+              <a:off x="4287717" y="1785333"/>
+              <a:ext cx="988039" cy="308113"/>
             </a:xfrm>
-            <a:prstGeom prst="ellipse">
+            <a:prstGeom prst="rect">
               <a:avLst/>
             </a:prstGeom>
-            <a:noFill/>
+            <a:solidFill>
+              <a:schemeClr val="bg1"/>
+            </a:solidFill>
             <a:ln w="19050">
               <a:solidFill>
-                <a:schemeClr val="tx1"/>
+                <a:srgbClr val="C00000"/>
               </a:solidFill>
             </a:ln>
           </p:spPr>
@@ -3389,694 +3617,23 @@
             <a:lstStyle/>
             <a:p>
               <a:pPr algn="ctr"/>
-              <a:endParaRPr lang="en-US" dirty="0"/>
+              <a:r>
+                <a:rPr lang="en-US" sz="2800" dirty="0">
+                  <a:solidFill>
+                    <a:srgbClr val="C00000"/>
+                  </a:solidFill>
+                </a:rPr>
+                <a:t>0, 2, 4, 6</a:t>
+              </a:r>
             </a:p>
           </p:txBody>
         </p:sp>
         <p:sp>
           <p:nvSpPr>
-            <p:cNvPr id="34" name="TextBox 33">
+            <p:cNvPr id="38" name="Rectangle 37">
               <a:extLst>
                 <a:ext uri="{FF2B5EF4-FFF2-40B4-BE49-F238E27FC236}">
-                  <a16:creationId xmlns:a16="http://schemas.microsoft.com/office/drawing/2014/main" id="{11EA4725-9907-8A46-A817-57EF52023141}"/>
-                </a:ext>
-              </a:extLst>
-            </p:cNvPr>
-            <p:cNvSpPr txBox="1"/>
-            <p:nvPr/>
-          </p:nvSpPr>
-          <p:spPr>
-            <a:xfrm>
-              <a:off x="1892343" y="814217"/>
-              <a:ext cx="1050288" cy="369332"/>
-            </a:xfrm>
-            <a:prstGeom prst="rect">
-              <a:avLst/>
-            </a:prstGeom>
-            <a:noFill/>
-          </p:spPr>
-          <p:txBody>
-            <a:bodyPr wrap="none" rtlCol="0">
-              <a:spAutoFit/>
-            </a:bodyPr>
-            <a:lstStyle/>
-            <a:p>
-              <a:r>
-                <a:rPr lang="en-US" dirty="0" err="1"/>
-                <a:t>app_sum</a:t>
-              </a:r>
-              <a:endParaRPr lang="en-US" dirty="0"/>
-            </a:p>
-          </p:txBody>
-        </p:sp>
-      </p:grpSp>
-      <p:sp>
-        <p:nvSpPr>
-          <p:cNvPr id="37" name="Rectangle 36">
-            <a:extLst>
-              <a:ext uri="{FF2B5EF4-FFF2-40B4-BE49-F238E27FC236}">
-                <a16:creationId xmlns:a16="http://schemas.microsoft.com/office/drawing/2014/main" id="{B340FC5F-DF56-B040-90F4-4D3884536490}"/>
-              </a:ext>
-            </a:extLst>
-          </p:cNvPr>
-          <p:cNvSpPr/>
-          <p:nvPr/>
-        </p:nvSpPr>
-        <p:spPr>
-          <a:xfrm>
-            <a:off x="4287717" y="1785333"/>
-            <a:ext cx="988039" cy="308113"/>
-          </a:xfrm>
-          <a:prstGeom prst="rect">
-            <a:avLst/>
-          </a:prstGeom>
-          <a:noFill/>
-          <a:ln w="19050">
-            <a:solidFill>
-              <a:schemeClr val="accent2"/>
-            </a:solidFill>
-          </a:ln>
-        </p:spPr>
-        <p:style>
-          <a:lnRef idx="2">
-            <a:schemeClr val="accent1">
-              <a:shade val="50000"/>
-            </a:schemeClr>
-          </a:lnRef>
-          <a:fillRef idx="1">
-            <a:schemeClr val="accent1"/>
-          </a:fillRef>
-          <a:effectRef idx="0">
-            <a:schemeClr val="accent1"/>
-          </a:effectRef>
-          <a:fontRef idx="minor">
-            <a:schemeClr val="lt1"/>
-          </a:fontRef>
-        </p:style>
-        <p:txBody>
-          <a:bodyPr rtlCol="0" anchor="ctr"/>
-          <a:lstStyle/>
-          <a:p>
-            <a:pPr algn="ctr"/>
-            <a:r>
-              <a:rPr lang="en-US" dirty="0">
-                <a:solidFill>
-                  <a:schemeClr val="accent2"/>
-                </a:solidFill>
-              </a:rPr>
-              <a:t>0, 2, 4, 6</a:t>
-            </a:r>
-          </a:p>
-        </p:txBody>
-      </p:sp>
-      <p:sp>
-        <p:nvSpPr>
-          <p:cNvPr id="38" name="Rectangle 37">
-            <a:extLst>
-              <a:ext uri="{FF2B5EF4-FFF2-40B4-BE49-F238E27FC236}">
-                <a16:creationId xmlns:a16="http://schemas.microsoft.com/office/drawing/2014/main" id="{C8F3C732-D145-E946-AFAB-94F371425B38}"/>
-              </a:ext>
-            </a:extLst>
-          </p:cNvPr>
-          <p:cNvSpPr/>
-          <p:nvPr/>
-        </p:nvSpPr>
-        <p:spPr>
-          <a:xfrm>
-            <a:off x="4557794" y="3095646"/>
-            <a:ext cx="447884" cy="308113"/>
-          </a:xfrm>
-          <a:prstGeom prst="rect">
-            <a:avLst/>
-          </a:prstGeom>
-          <a:noFill/>
-          <a:ln w="19050">
-            <a:solidFill>
-              <a:schemeClr val="accent2"/>
-            </a:solidFill>
-          </a:ln>
-        </p:spPr>
-        <p:style>
-          <a:lnRef idx="2">
-            <a:schemeClr val="accent1">
-              <a:shade val="50000"/>
-            </a:schemeClr>
-          </a:lnRef>
-          <a:fillRef idx="1">
-            <a:schemeClr val="accent1"/>
-          </a:fillRef>
-          <a:effectRef idx="0">
-            <a:schemeClr val="accent1"/>
-          </a:effectRef>
-          <a:fontRef idx="minor">
-            <a:schemeClr val="lt1"/>
-          </a:fontRef>
-        </p:style>
-        <p:txBody>
-          <a:bodyPr rtlCol="0" anchor="ctr"/>
-          <a:lstStyle/>
-          <a:p>
-            <a:pPr algn="ctr"/>
-            <a:r>
-              <a:rPr lang="en-US" dirty="0">
-                <a:solidFill>
-                  <a:schemeClr val="accent2"/>
-                </a:solidFill>
-              </a:rPr>
-              <a:t>12</a:t>
-            </a:r>
-          </a:p>
-        </p:txBody>
-      </p:sp>
-      <p:cxnSp>
-        <p:nvCxnSpPr>
-          <p:cNvPr id="40" name="Straight Arrow Connector 39">
-            <a:extLst>
-              <a:ext uri="{FF2B5EF4-FFF2-40B4-BE49-F238E27FC236}">
-                <a16:creationId xmlns:a16="http://schemas.microsoft.com/office/drawing/2014/main" id="{397AAE95-A2BE-5C42-BC0A-EFC43AF73C62}"/>
-              </a:ext>
-            </a:extLst>
-          </p:cNvPr>
-          <p:cNvCxnSpPr/>
-          <p:nvPr/>
-        </p:nvCxnSpPr>
-        <p:spPr>
-          <a:xfrm flipH="1">
-            <a:off x="2872409" y="345817"/>
-            <a:ext cx="1415308" cy="468400"/>
-          </a:xfrm>
-          <a:prstGeom prst="straightConnector1">
-            <a:avLst/>
-          </a:prstGeom>
-          <a:ln>
-            <a:solidFill>
-              <a:schemeClr val="accent2"/>
-            </a:solidFill>
-            <a:tailEnd type="triangle"/>
-          </a:ln>
-        </p:spPr>
-        <p:style>
-          <a:lnRef idx="1">
-            <a:schemeClr val="accent1"/>
-          </a:lnRef>
-          <a:fillRef idx="0">
-            <a:schemeClr val="accent1"/>
-          </a:fillRef>
-          <a:effectRef idx="0">
-            <a:schemeClr val="accent1"/>
-          </a:effectRef>
-          <a:fontRef idx="minor">
-            <a:schemeClr val="tx1"/>
-          </a:fontRef>
-        </p:style>
-      </p:cxnSp>
-      <p:cxnSp>
-        <p:nvCxnSpPr>
-          <p:cNvPr id="41" name="Straight Arrow Connector 40">
-            <a:extLst>
-              <a:ext uri="{FF2B5EF4-FFF2-40B4-BE49-F238E27FC236}">
-                <a16:creationId xmlns:a16="http://schemas.microsoft.com/office/drawing/2014/main" id="{85BB4C6A-43EF-E442-8B7E-B4522714CF92}"/>
-              </a:ext>
-            </a:extLst>
-          </p:cNvPr>
-          <p:cNvCxnSpPr>
-            <a:cxnSpLocks/>
-          </p:cNvCxnSpPr>
-          <p:nvPr/>
-        </p:nvCxnSpPr>
-        <p:spPr>
-          <a:xfrm flipH="1">
-            <a:off x="4244009" y="301252"/>
-            <a:ext cx="382768" cy="490683"/>
-          </a:xfrm>
-          <a:prstGeom prst="straightConnector1">
-            <a:avLst/>
-          </a:prstGeom>
-          <a:ln>
-            <a:solidFill>
-              <a:schemeClr val="accent2"/>
-            </a:solidFill>
-            <a:tailEnd type="triangle"/>
-          </a:ln>
-        </p:spPr>
-        <p:style>
-          <a:lnRef idx="1">
-            <a:schemeClr val="accent1"/>
-          </a:lnRef>
-          <a:fillRef idx="0">
-            <a:schemeClr val="accent1"/>
-          </a:fillRef>
-          <a:effectRef idx="0">
-            <a:schemeClr val="accent1"/>
-          </a:effectRef>
-          <a:fontRef idx="minor">
-            <a:schemeClr val="tx1"/>
-          </a:fontRef>
-        </p:style>
-      </p:cxnSp>
-      <p:cxnSp>
-        <p:nvCxnSpPr>
-          <p:cNvPr id="44" name="Straight Arrow Connector 43">
-            <a:extLst>
-              <a:ext uri="{FF2B5EF4-FFF2-40B4-BE49-F238E27FC236}">
-                <a16:creationId xmlns:a16="http://schemas.microsoft.com/office/drawing/2014/main" id="{2E0F305D-A2E2-3843-AD88-CEF9AB9DA8CB}"/>
-              </a:ext>
-            </a:extLst>
-          </p:cNvPr>
-          <p:cNvCxnSpPr>
-            <a:cxnSpLocks/>
-          </p:cNvCxnSpPr>
-          <p:nvPr/>
-        </p:nvCxnSpPr>
-        <p:spPr>
-          <a:xfrm>
-            <a:off x="4904827" y="321130"/>
-            <a:ext cx="347120" cy="463270"/>
-          </a:xfrm>
-          <a:prstGeom prst="straightConnector1">
-            <a:avLst/>
-          </a:prstGeom>
-          <a:ln>
-            <a:solidFill>
-              <a:schemeClr val="accent2"/>
-            </a:solidFill>
-            <a:tailEnd type="triangle"/>
-          </a:ln>
-        </p:spPr>
-        <p:style>
-          <a:lnRef idx="1">
-            <a:schemeClr val="accent1"/>
-          </a:lnRef>
-          <a:fillRef idx="0">
-            <a:schemeClr val="accent1"/>
-          </a:fillRef>
-          <a:effectRef idx="0">
-            <a:schemeClr val="accent1"/>
-          </a:effectRef>
-          <a:fontRef idx="minor">
-            <a:schemeClr val="tx1"/>
-          </a:fontRef>
-        </p:style>
-      </p:cxnSp>
-      <p:cxnSp>
-        <p:nvCxnSpPr>
-          <p:cNvPr id="48" name="Straight Arrow Connector 47">
-            <a:extLst>
-              <a:ext uri="{FF2B5EF4-FFF2-40B4-BE49-F238E27FC236}">
-                <a16:creationId xmlns:a16="http://schemas.microsoft.com/office/drawing/2014/main" id="{FF79F7DA-4442-E34B-A638-A6411BF41DD1}"/>
-              </a:ext>
-            </a:extLst>
-          </p:cNvPr>
-          <p:cNvCxnSpPr>
-            <a:cxnSpLocks/>
-          </p:cNvCxnSpPr>
-          <p:nvPr/>
-        </p:nvCxnSpPr>
-        <p:spPr>
-          <a:xfrm>
-            <a:off x="5162227" y="306060"/>
-            <a:ext cx="1503886" cy="508157"/>
-          </a:xfrm>
-          <a:prstGeom prst="straightConnector1">
-            <a:avLst/>
-          </a:prstGeom>
-          <a:ln>
-            <a:solidFill>
-              <a:schemeClr val="accent2"/>
-            </a:solidFill>
-            <a:tailEnd type="triangle"/>
-          </a:ln>
-        </p:spPr>
-        <p:style>
-          <a:lnRef idx="1">
-            <a:schemeClr val="accent1"/>
-          </a:lnRef>
-          <a:fillRef idx="0">
-            <a:schemeClr val="accent1"/>
-          </a:fillRef>
-          <a:effectRef idx="0">
-            <a:schemeClr val="accent1"/>
-          </a:effectRef>
-          <a:fontRef idx="minor">
-            <a:schemeClr val="tx1"/>
-          </a:fontRef>
-        </p:style>
-      </p:cxnSp>
-      <p:sp>
-        <p:nvSpPr>
-          <p:cNvPr id="35" name="Rectangle 34">
-            <a:extLst>
-              <a:ext uri="{FF2B5EF4-FFF2-40B4-BE49-F238E27FC236}">
-                <a16:creationId xmlns:a16="http://schemas.microsoft.com/office/drawing/2014/main" id="{0E6359F1-F86A-114B-897B-7A1CAE37DB4F}"/>
-              </a:ext>
-            </a:extLst>
-          </p:cNvPr>
-          <p:cNvSpPr/>
-          <p:nvPr/>
-        </p:nvSpPr>
-        <p:spPr>
-          <a:xfrm>
-            <a:off x="4287717" y="37704"/>
-            <a:ext cx="988039" cy="308113"/>
-          </a:xfrm>
-          <a:prstGeom prst="rect">
-            <a:avLst/>
-          </a:prstGeom>
-          <a:solidFill>
-            <a:schemeClr val="bg1"/>
-          </a:solidFill>
-          <a:ln w="19050">
-            <a:solidFill>
-              <a:schemeClr val="accent2"/>
-            </a:solidFill>
-          </a:ln>
-        </p:spPr>
-        <p:style>
-          <a:lnRef idx="2">
-            <a:schemeClr val="accent1">
-              <a:shade val="50000"/>
-            </a:schemeClr>
-          </a:lnRef>
-          <a:fillRef idx="1">
-            <a:schemeClr val="accent1"/>
-          </a:fillRef>
-          <a:effectRef idx="0">
-            <a:schemeClr val="accent1"/>
-          </a:effectRef>
-          <a:fontRef idx="minor">
-            <a:schemeClr val="lt1"/>
-          </a:fontRef>
-        </p:style>
-        <p:txBody>
-          <a:bodyPr rtlCol="0" anchor="ctr"/>
-          <a:lstStyle/>
-          <a:p>
-            <a:pPr algn="ctr"/>
-            <a:r>
-              <a:rPr lang="en-US" dirty="0">
-                <a:solidFill>
-                  <a:schemeClr val="accent2"/>
-                </a:solidFill>
-              </a:rPr>
-              <a:t>0, 1, 2, 3</a:t>
-            </a:r>
-          </a:p>
-        </p:txBody>
-      </p:sp>
-      <p:cxnSp>
-        <p:nvCxnSpPr>
-          <p:cNvPr id="56" name="Straight Arrow Connector 55">
-            <a:extLst>
-              <a:ext uri="{FF2B5EF4-FFF2-40B4-BE49-F238E27FC236}">
-                <a16:creationId xmlns:a16="http://schemas.microsoft.com/office/drawing/2014/main" id="{D771C576-323B-BA4F-BEF2-4E2EDF27654A}"/>
-              </a:ext>
-            </a:extLst>
-          </p:cNvPr>
-          <p:cNvCxnSpPr>
-            <a:cxnSpLocks/>
-          </p:cNvCxnSpPr>
-          <p:nvPr/>
-        </p:nvCxnSpPr>
-        <p:spPr>
-          <a:xfrm>
-            <a:off x="2872409" y="1106278"/>
-            <a:ext cx="1415308" cy="679055"/>
-          </a:xfrm>
-          <a:prstGeom prst="straightConnector1">
-            <a:avLst/>
-          </a:prstGeom>
-          <a:ln>
-            <a:solidFill>
-              <a:schemeClr val="accent2"/>
-            </a:solidFill>
-            <a:tailEnd type="triangle"/>
-          </a:ln>
-        </p:spPr>
-        <p:style>
-          <a:lnRef idx="1">
-            <a:schemeClr val="accent1"/>
-          </a:lnRef>
-          <a:fillRef idx="0">
-            <a:schemeClr val="accent1"/>
-          </a:fillRef>
-          <a:effectRef idx="0">
-            <a:schemeClr val="accent1"/>
-          </a:effectRef>
-          <a:fontRef idx="minor">
-            <a:schemeClr val="tx1"/>
-          </a:fontRef>
-        </p:style>
-      </p:cxnSp>
-      <p:cxnSp>
-        <p:nvCxnSpPr>
-          <p:cNvPr id="60" name="Straight Arrow Connector 59">
-            <a:extLst>
-              <a:ext uri="{FF2B5EF4-FFF2-40B4-BE49-F238E27FC236}">
-                <a16:creationId xmlns:a16="http://schemas.microsoft.com/office/drawing/2014/main" id="{0D326E45-B251-6D49-95C3-4016401CA33E}"/>
-              </a:ext>
-            </a:extLst>
-          </p:cNvPr>
-          <p:cNvCxnSpPr>
-            <a:cxnSpLocks/>
-            <a:stCxn id="37" idx="2"/>
-            <a:endCxn id="33" idx="0"/>
-          </p:cNvCxnSpPr>
-          <p:nvPr/>
-        </p:nvCxnSpPr>
-        <p:spPr>
-          <a:xfrm flipH="1">
-            <a:off x="4781736" y="2093446"/>
-            <a:ext cx="1" cy="214953"/>
-          </a:xfrm>
-          <a:prstGeom prst="straightConnector1">
-            <a:avLst/>
-          </a:prstGeom>
-          <a:ln>
-            <a:solidFill>
-              <a:schemeClr val="accent2"/>
-            </a:solidFill>
-            <a:tailEnd type="triangle"/>
-          </a:ln>
-        </p:spPr>
-        <p:style>
-          <a:lnRef idx="1">
-            <a:schemeClr val="accent1"/>
-          </a:lnRef>
-          <a:fillRef idx="0">
-            <a:schemeClr val="accent1"/>
-          </a:fillRef>
-          <a:effectRef idx="0">
-            <a:schemeClr val="accent1"/>
-          </a:effectRef>
-          <a:fontRef idx="minor">
-            <a:schemeClr val="tx1"/>
-          </a:fontRef>
-        </p:style>
-      </p:cxnSp>
-      <p:cxnSp>
-        <p:nvCxnSpPr>
-          <p:cNvPr id="63" name="Straight Arrow Connector 62">
-            <a:extLst>
-              <a:ext uri="{FF2B5EF4-FFF2-40B4-BE49-F238E27FC236}">
-                <a16:creationId xmlns:a16="http://schemas.microsoft.com/office/drawing/2014/main" id="{DD9A3FCE-E580-C246-806C-AACFECDEFA33}"/>
-              </a:ext>
-            </a:extLst>
-          </p:cNvPr>
-          <p:cNvCxnSpPr>
-            <a:cxnSpLocks/>
-            <a:stCxn id="33" idx="4"/>
-            <a:endCxn id="38" idx="0"/>
-          </p:cNvCxnSpPr>
-          <p:nvPr/>
-        </p:nvCxnSpPr>
-        <p:spPr>
-          <a:xfrm>
-            <a:off x="4781736" y="2835965"/>
-            <a:ext cx="0" cy="259681"/>
-          </a:xfrm>
-          <a:prstGeom prst="straightConnector1">
-            <a:avLst/>
-          </a:prstGeom>
-          <a:ln>
-            <a:solidFill>
-              <a:schemeClr val="accent2"/>
-            </a:solidFill>
-            <a:tailEnd type="triangle"/>
-          </a:ln>
-        </p:spPr>
-        <p:style>
-          <a:lnRef idx="1">
-            <a:schemeClr val="accent1"/>
-          </a:lnRef>
-          <a:fillRef idx="0">
-            <a:schemeClr val="accent1"/>
-          </a:fillRef>
-          <a:effectRef idx="0">
-            <a:schemeClr val="accent1"/>
-          </a:effectRef>
-          <a:fontRef idx="minor">
-            <a:schemeClr val="tx1"/>
-          </a:fontRef>
-        </p:style>
-      </p:cxnSp>
-      <p:cxnSp>
-        <p:nvCxnSpPr>
-          <p:cNvPr id="67" name="Straight Arrow Connector 66">
-            <a:extLst>
-              <a:ext uri="{FF2B5EF4-FFF2-40B4-BE49-F238E27FC236}">
-                <a16:creationId xmlns:a16="http://schemas.microsoft.com/office/drawing/2014/main" id="{6F3362BA-D171-E440-B26F-33B474BE8F04}"/>
-              </a:ext>
-            </a:extLst>
-          </p:cNvPr>
-          <p:cNvCxnSpPr>
-            <a:cxnSpLocks/>
-          </p:cNvCxnSpPr>
-          <p:nvPr/>
-        </p:nvCxnSpPr>
-        <p:spPr>
-          <a:xfrm flipH="1">
-            <a:off x="5251947" y="1199183"/>
-            <a:ext cx="1546418" cy="579258"/>
-          </a:xfrm>
-          <a:prstGeom prst="straightConnector1">
-            <a:avLst/>
-          </a:prstGeom>
-          <a:ln>
-            <a:solidFill>
-              <a:schemeClr val="accent2"/>
-            </a:solidFill>
-            <a:tailEnd type="triangle"/>
-          </a:ln>
-        </p:spPr>
-        <p:style>
-          <a:lnRef idx="1">
-            <a:schemeClr val="accent1"/>
-          </a:lnRef>
-          <a:fillRef idx="0">
-            <a:schemeClr val="accent1"/>
-          </a:fillRef>
-          <a:effectRef idx="0">
-            <a:schemeClr val="accent1"/>
-          </a:effectRef>
-          <a:fontRef idx="minor">
-            <a:schemeClr val="tx1"/>
-          </a:fontRef>
-        </p:style>
-      </p:cxnSp>
-      <p:cxnSp>
-        <p:nvCxnSpPr>
-          <p:cNvPr id="70" name="Straight Arrow Connector 69">
-            <a:extLst>
-              <a:ext uri="{FF2B5EF4-FFF2-40B4-BE49-F238E27FC236}">
-                <a16:creationId xmlns:a16="http://schemas.microsoft.com/office/drawing/2014/main" id="{DC2C187C-A39B-7846-BFD3-9B71339261A9}"/>
-              </a:ext>
-            </a:extLst>
-          </p:cNvPr>
-          <p:cNvCxnSpPr>
-            <a:cxnSpLocks/>
-          </p:cNvCxnSpPr>
-          <p:nvPr/>
-        </p:nvCxnSpPr>
-        <p:spPr>
-          <a:xfrm>
-            <a:off x="4244009" y="1273549"/>
-            <a:ext cx="340734" cy="511784"/>
-          </a:xfrm>
-          <a:prstGeom prst="straightConnector1">
-            <a:avLst/>
-          </a:prstGeom>
-          <a:ln>
-            <a:solidFill>
-              <a:schemeClr val="accent2"/>
-            </a:solidFill>
-            <a:tailEnd type="triangle"/>
-          </a:ln>
-        </p:spPr>
-        <p:style>
-          <a:lnRef idx="1">
-            <a:schemeClr val="accent1"/>
-          </a:lnRef>
-          <a:fillRef idx="0">
-            <a:schemeClr val="accent1"/>
-          </a:fillRef>
-          <a:effectRef idx="0">
-            <a:schemeClr val="accent1"/>
-          </a:effectRef>
-          <a:fontRef idx="minor">
-            <a:schemeClr val="tx1"/>
-          </a:fontRef>
-        </p:style>
-      </p:cxnSp>
-      <p:cxnSp>
-        <p:nvCxnSpPr>
-          <p:cNvPr id="73" name="Straight Arrow Connector 72">
-            <a:extLst>
-              <a:ext uri="{FF2B5EF4-FFF2-40B4-BE49-F238E27FC236}">
-                <a16:creationId xmlns:a16="http://schemas.microsoft.com/office/drawing/2014/main" id="{555D6A48-018E-F54C-9294-00462D773B39}"/>
-              </a:ext>
-            </a:extLst>
-          </p:cNvPr>
-          <p:cNvCxnSpPr>
-            <a:cxnSpLocks/>
-          </p:cNvCxnSpPr>
-          <p:nvPr/>
-        </p:nvCxnSpPr>
-        <p:spPr>
-          <a:xfrm flipH="1">
-            <a:off x="4996601" y="1264462"/>
-            <a:ext cx="188710" cy="513979"/>
-          </a:xfrm>
-          <a:prstGeom prst="straightConnector1">
-            <a:avLst/>
-          </a:prstGeom>
-          <a:ln>
-            <a:solidFill>
-              <a:schemeClr val="accent2"/>
-            </a:solidFill>
-            <a:tailEnd type="triangle"/>
-          </a:ln>
-        </p:spPr>
-        <p:style>
-          <a:lnRef idx="1">
-            <a:schemeClr val="accent1"/>
-          </a:lnRef>
-          <a:fillRef idx="0">
-            <a:schemeClr val="accent1"/>
-          </a:fillRef>
-          <a:effectRef idx="0">
-            <a:schemeClr val="accent1"/>
-          </a:effectRef>
-          <a:fontRef idx="minor">
-            <a:schemeClr val="tx1"/>
-          </a:fontRef>
-        </p:style>
-      </p:cxnSp>
-      <p:grpSp>
-        <p:nvGrpSpPr>
-          <p:cNvPr id="7" name="Group 6">
-            <a:extLst>
-              <a:ext uri="{FF2B5EF4-FFF2-40B4-BE49-F238E27FC236}">
-                <a16:creationId xmlns:a16="http://schemas.microsoft.com/office/drawing/2014/main" id="{D52676A8-4DA6-AC43-9840-3A0675ACF983}"/>
-              </a:ext>
-            </a:extLst>
-          </p:cNvPr>
-          <p:cNvGrpSpPr/>
-          <p:nvPr/>
-        </p:nvGrpSpPr>
-        <p:grpSpPr>
-          <a:xfrm>
-            <a:off x="1719469" y="764522"/>
-            <a:ext cx="1371600" cy="527566"/>
-            <a:chOff x="1719469" y="764522"/>
-            <a:chExt cx="1371600" cy="527566"/>
-          </a:xfrm>
-        </p:grpSpPr>
-        <p:sp>
-          <p:nvSpPr>
-            <p:cNvPr id="4" name="Oval 3">
-              <a:extLst>
-                <a:ext uri="{FF2B5EF4-FFF2-40B4-BE49-F238E27FC236}">
-                  <a16:creationId xmlns:a16="http://schemas.microsoft.com/office/drawing/2014/main" id="{951FC4C8-1266-BE4B-8C95-6DAEF0B190BB}"/>
+                  <a16:creationId xmlns:a16="http://schemas.microsoft.com/office/drawing/2014/main" id="{C8F3C732-D145-E946-AFAB-94F371425B38}"/>
                 </a:ext>
               </a:extLst>
             </p:cNvPr>
@@ -4085,10 +3642,10 @@
           </p:nvSpPr>
           <p:spPr>
             <a:xfrm>
-              <a:off x="1719469" y="764522"/>
-              <a:ext cx="1371600" cy="527566"/>
+              <a:off x="4557794" y="3095646"/>
+              <a:ext cx="447884" cy="308113"/>
             </a:xfrm>
-            <a:prstGeom prst="ellipse">
+            <a:prstGeom prst="rect">
               <a:avLst/>
             </a:prstGeom>
             <a:solidFill>
@@ -4096,7 +3653,7 @@
             </a:solidFill>
             <a:ln w="19050">
               <a:solidFill>
-                <a:schemeClr val="tx1"/>
+                <a:srgbClr val="C00000"/>
               </a:solidFill>
             </a:ln>
           </p:spPr>
@@ -4121,73 +3678,197 @@
             <a:lstStyle/>
             <a:p>
               <a:pPr algn="ctr"/>
-              <a:endParaRPr lang="en-US" dirty="0"/>
+              <a:r>
+                <a:rPr lang="en-US" sz="2800" dirty="0">
+                  <a:solidFill>
+                    <a:srgbClr val="C00000"/>
+                  </a:solidFill>
+                </a:rPr>
+                <a:t>12</a:t>
+              </a:r>
             </a:p>
           </p:txBody>
         </p:sp>
-        <p:sp>
-          <p:nvSpPr>
-            <p:cNvPr id="5" name="TextBox 4">
+        <p:cxnSp>
+          <p:nvCxnSpPr>
+            <p:cNvPr id="40" name="Straight Arrow Connector 39">
               <a:extLst>
                 <a:ext uri="{FF2B5EF4-FFF2-40B4-BE49-F238E27FC236}">
-                  <a16:creationId xmlns:a16="http://schemas.microsoft.com/office/drawing/2014/main" id="{44F38B75-6BD5-C545-A497-E151ED5C6A8E}"/>
+                  <a16:creationId xmlns:a16="http://schemas.microsoft.com/office/drawing/2014/main" id="{397AAE95-A2BE-5C42-BC0A-EFC43AF73C62}"/>
                 </a:ext>
               </a:extLst>
             </p:cNvPr>
-            <p:cNvSpPr txBox="1"/>
+            <p:cNvCxnSpPr/>
             <p:nvPr/>
-          </p:nvSpPr>
+          </p:nvCxnSpPr>
+          <p:spPr>
+            <a:xfrm flipH="1">
+              <a:off x="2872409" y="345817"/>
+              <a:ext cx="1415308" cy="468400"/>
+            </a:xfrm>
+            <a:prstGeom prst="straightConnector1">
+              <a:avLst/>
+            </a:prstGeom>
+            <a:ln w="19050">
+              <a:solidFill>
+                <a:srgbClr val="C00000"/>
+              </a:solidFill>
+              <a:tailEnd type="triangle" w="lg" len="lg"/>
+            </a:ln>
+          </p:spPr>
+          <p:style>
+            <a:lnRef idx="1">
+              <a:schemeClr val="accent1"/>
+            </a:lnRef>
+            <a:fillRef idx="0">
+              <a:schemeClr val="accent1"/>
+            </a:fillRef>
+            <a:effectRef idx="0">
+              <a:schemeClr val="accent1"/>
+            </a:effectRef>
+            <a:fontRef idx="minor">
+              <a:schemeClr val="tx1"/>
+            </a:fontRef>
+          </p:style>
+        </p:cxnSp>
+        <p:cxnSp>
+          <p:nvCxnSpPr>
+            <p:cNvPr id="41" name="Straight Arrow Connector 40">
+              <a:extLst>
+                <a:ext uri="{FF2B5EF4-FFF2-40B4-BE49-F238E27FC236}">
+                  <a16:creationId xmlns:a16="http://schemas.microsoft.com/office/drawing/2014/main" id="{85BB4C6A-43EF-E442-8B7E-B4522714CF92}"/>
+                </a:ext>
+              </a:extLst>
+            </p:cNvPr>
+            <p:cNvCxnSpPr>
+              <a:cxnSpLocks/>
+            </p:cNvCxnSpPr>
+            <p:nvPr/>
+          </p:nvCxnSpPr>
+          <p:spPr>
+            <a:xfrm flipH="1">
+              <a:off x="4244009" y="301252"/>
+              <a:ext cx="382768" cy="490683"/>
+            </a:xfrm>
+            <a:prstGeom prst="straightConnector1">
+              <a:avLst/>
+            </a:prstGeom>
+            <a:ln w="19050">
+              <a:solidFill>
+                <a:srgbClr val="C00000"/>
+              </a:solidFill>
+              <a:tailEnd type="triangle" w="lg" len="lg"/>
+            </a:ln>
+          </p:spPr>
+          <p:style>
+            <a:lnRef idx="1">
+              <a:schemeClr val="accent1"/>
+            </a:lnRef>
+            <a:fillRef idx="0">
+              <a:schemeClr val="accent1"/>
+            </a:fillRef>
+            <a:effectRef idx="0">
+              <a:schemeClr val="accent1"/>
+            </a:effectRef>
+            <a:fontRef idx="minor">
+              <a:schemeClr val="tx1"/>
+            </a:fontRef>
+          </p:style>
+        </p:cxnSp>
+        <p:cxnSp>
+          <p:nvCxnSpPr>
+            <p:cNvPr id="44" name="Straight Arrow Connector 43">
+              <a:extLst>
+                <a:ext uri="{FF2B5EF4-FFF2-40B4-BE49-F238E27FC236}">
+                  <a16:creationId xmlns:a16="http://schemas.microsoft.com/office/drawing/2014/main" id="{2E0F305D-A2E2-3843-AD88-CEF9AB9DA8CB}"/>
+                </a:ext>
+              </a:extLst>
+            </p:cNvPr>
+            <p:cNvCxnSpPr>
+              <a:cxnSpLocks/>
+            </p:cNvCxnSpPr>
+            <p:nvPr/>
+          </p:nvCxnSpPr>
           <p:spPr>
             <a:xfrm>
-              <a:off x="1773075" y="814217"/>
-              <a:ext cx="1309974" cy="369332"/>
+              <a:off x="4904827" y="321130"/>
+              <a:ext cx="347120" cy="463270"/>
             </a:xfrm>
-            <a:prstGeom prst="rect">
+            <a:prstGeom prst="straightConnector1">
               <a:avLst/>
             </a:prstGeom>
-            <a:noFill/>
+            <a:ln w="19050">
+              <a:solidFill>
+                <a:srgbClr val="C00000"/>
+              </a:solidFill>
+              <a:tailEnd type="triangle" w="lg" len="lg"/>
+            </a:ln>
           </p:spPr>
-          <p:txBody>
-            <a:bodyPr wrap="none" rtlCol="0">
-              <a:spAutoFit/>
-            </a:bodyPr>
-            <a:lstStyle/>
-            <a:p>
-              <a:r>
-                <a:rPr lang="en-US" dirty="0" err="1"/>
-                <a:t>app_double</a:t>
-              </a:r>
-              <a:endParaRPr lang="en-US" dirty="0"/>
-            </a:p>
-          </p:txBody>
-        </p:sp>
-      </p:grpSp>
-      <p:grpSp>
-        <p:nvGrpSpPr>
-          <p:cNvPr id="8" name="Group 7">
-            <a:extLst>
-              <a:ext uri="{FF2B5EF4-FFF2-40B4-BE49-F238E27FC236}">
-                <a16:creationId xmlns:a16="http://schemas.microsoft.com/office/drawing/2014/main" id="{7F03B865-198B-D149-9D5C-FB920718AE1B}"/>
-              </a:ext>
-            </a:extLst>
-          </p:cNvPr>
-          <p:cNvGrpSpPr/>
-          <p:nvPr/>
-        </p:nvGrpSpPr>
-        <p:grpSpPr>
-          <a:xfrm>
-            <a:off x="3279779" y="764522"/>
-            <a:ext cx="1371600" cy="527566"/>
-            <a:chOff x="1719469" y="764522"/>
-            <a:chExt cx="1371600" cy="527566"/>
-          </a:xfrm>
-        </p:grpSpPr>
+          <p:style>
+            <a:lnRef idx="1">
+              <a:schemeClr val="accent1"/>
+            </a:lnRef>
+            <a:fillRef idx="0">
+              <a:schemeClr val="accent1"/>
+            </a:fillRef>
+            <a:effectRef idx="0">
+              <a:schemeClr val="accent1"/>
+            </a:effectRef>
+            <a:fontRef idx="minor">
+              <a:schemeClr val="tx1"/>
+            </a:fontRef>
+          </p:style>
+        </p:cxnSp>
+        <p:cxnSp>
+          <p:nvCxnSpPr>
+            <p:cNvPr id="48" name="Straight Arrow Connector 47">
+              <a:extLst>
+                <a:ext uri="{FF2B5EF4-FFF2-40B4-BE49-F238E27FC236}">
+                  <a16:creationId xmlns:a16="http://schemas.microsoft.com/office/drawing/2014/main" id="{FF79F7DA-4442-E34B-A638-A6411BF41DD1}"/>
+                </a:ext>
+              </a:extLst>
+            </p:cNvPr>
+            <p:cNvCxnSpPr>
+              <a:cxnSpLocks/>
+            </p:cNvCxnSpPr>
+            <p:nvPr/>
+          </p:nvCxnSpPr>
+          <p:spPr>
+            <a:xfrm>
+              <a:off x="5162227" y="306060"/>
+              <a:ext cx="1503886" cy="508157"/>
+            </a:xfrm>
+            <a:prstGeom prst="straightConnector1">
+              <a:avLst/>
+            </a:prstGeom>
+            <a:ln w="19050">
+              <a:solidFill>
+                <a:srgbClr val="C00000"/>
+              </a:solidFill>
+              <a:tailEnd type="triangle" w="lg" len="lg"/>
+            </a:ln>
+          </p:spPr>
+          <p:style>
+            <a:lnRef idx="1">
+              <a:schemeClr val="accent1"/>
+            </a:lnRef>
+            <a:fillRef idx="0">
+              <a:schemeClr val="accent1"/>
+            </a:fillRef>
+            <a:effectRef idx="0">
+              <a:schemeClr val="accent1"/>
+            </a:effectRef>
+            <a:fontRef idx="minor">
+              <a:schemeClr val="tx1"/>
+            </a:fontRef>
+          </p:style>
+        </p:cxnSp>
         <p:sp>
           <p:nvSpPr>
-            <p:cNvPr id="9" name="Oval 8">
+            <p:cNvPr id="35" name="Rectangle 34">
               <a:extLst>
                 <a:ext uri="{FF2B5EF4-FFF2-40B4-BE49-F238E27FC236}">
-                  <a16:creationId xmlns:a16="http://schemas.microsoft.com/office/drawing/2014/main" id="{D0C48FB2-51BE-0549-AC63-68C669FCDFD3}"/>
+                  <a16:creationId xmlns:a16="http://schemas.microsoft.com/office/drawing/2014/main" id="{0E6359F1-F86A-114B-897B-7A1CAE37DB4F}"/>
                 </a:ext>
               </a:extLst>
             </p:cNvPr>
@@ -4196,10 +3877,10 @@
           </p:nvSpPr>
           <p:spPr>
             <a:xfrm>
-              <a:off x="1719469" y="764522"/>
-              <a:ext cx="1371600" cy="527566"/>
+              <a:off x="4287717" y="37704"/>
+              <a:ext cx="988039" cy="308113"/>
             </a:xfrm>
-            <a:prstGeom prst="ellipse">
+            <a:prstGeom prst="rect">
               <a:avLst/>
             </a:prstGeom>
             <a:solidFill>
@@ -4207,7 +3888,7 @@
             </a:solidFill>
             <a:ln w="19050">
               <a:solidFill>
-                <a:schemeClr val="tx1"/>
+                <a:srgbClr val="C00000"/>
               </a:solidFill>
             </a:ln>
           </p:spPr>
@@ -4232,16 +3913,735 @@
             <a:lstStyle/>
             <a:p>
               <a:pPr algn="ctr"/>
-              <a:endParaRPr lang="en-US" dirty="0"/>
+              <a:r>
+                <a:rPr lang="en-US" sz="2800" dirty="0">
+                  <a:solidFill>
+                    <a:srgbClr val="C00000"/>
+                  </a:solidFill>
+                </a:rPr>
+                <a:t>0, 1, 2, 3</a:t>
+              </a:r>
             </a:p>
           </p:txBody>
         </p:sp>
+        <p:cxnSp>
+          <p:nvCxnSpPr>
+            <p:cNvPr id="56" name="Straight Arrow Connector 55">
+              <a:extLst>
+                <a:ext uri="{FF2B5EF4-FFF2-40B4-BE49-F238E27FC236}">
+                  <a16:creationId xmlns:a16="http://schemas.microsoft.com/office/drawing/2014/main" id="{D771C576-323B-BA4F-BEF2-4E2EDF27654A}"/>
+                </a:ext>
+              </a:extLst>
+            </p:cNvPr>
+            <p:cNvCxnSpPr>
+              <a:cxnSpLocks/>
+            </p:cNvCxnSpPr>
+            <p:nvPr/>
+          </p:nvCxnSpPr>
+          <p:spPr>
+            <a:xfrm>
+              <a:off x="2872409" y="1106278"/>
+              <a:ext cx="1415308" cy="679055"/>
+            </a:xfrm>
+            <a:prstGeom prst="straightConnector1">
+              <a:avLst/>
+            </a:prstGeom>
+            <a:ln w="19050">
+              <a:solidFill>
+                <a:srgbClr val="C00000"/>
+              </a:solidFill>
+              <a:tailEnd type="triangle" w="lg" len="lg"/>
+            </a:ln>
+          </p:spPr>
+          <p:style>
+            <a:lnRef idx="1">
+              <a:schemeClr val="accent1"/>
+            </a:lnRef>
+            <a:fillRef idx="0">
+              <a:schemeClr val="accent1"/>
+            </a:fillRef>
+            <a:effectRef idx="0">
+              <a:schemeClr val="accent1"/>
+            </a:effectRef>
+            <a:fontRef idx="minor">
+              <a:schemeClr val="tx1"/>
+            </a:fontRef>
+          </p:style>
+        </p:cxnSp>
+        <p:cxnSp>
+          <p:nvCxnSpPr>
+            <p:cNvPr id="60" name="Straight Arrow Connector 59">
+              <a:extLst>
+                <a:ext uri="{FF2B5EF4-FFF2-40B4-BE49-F238E27FC236}">
+                  <a16:creationId xmlns:a16="http://schemas.microsoft.com/office/drawing/2014/main" id="{0D326E45-B251-6D49-95C3-4016401CA33E}"/>
+                </a:ext>
+              </a:extLst>
+            </p:cNvPr>
+            <p:cNvCxnSpPr>
+              <a:cxnSpLocks/>
+              <a:stCxn id="37" idx="2"/>
+              <a:endCxn id="33" idx="0"/>
+            </p:cNvCxnSpPr>
+            <p:nvPr/>
+          </p:nvCxnSpPr>
+          <p:spPr>
+            <a:xfrm flipH="1">
+              <a:off x="4781736" y="2093446"/>
+              <a:ext cx="1" cy="214953"/>
+            </a:xfrm>
+            <a:prstGeom prst="straightConnector1">
+              <a:avLst/>
+            </a:prstGeom>
+            <a:ln w="19050">
+              <a:solidFill>
+                <a:srgbClr val="C00000"/>
+              </a:solidFill>
+              <a:tailEnd type="triangle" w="lg" len="lg"/>
+            </a:ln>
+          </p:spPr>
+          <p:style>
+            <a:lnRef idx="1">
+              <a:schemeClr val="accent1"/>
+            </a:lnRef>
+            <a:fillRef idx="0">
+              <a:schemeClr val="accent1"/>
+            </a:fillRef>
+            <a:effectRef idx="0">
+              <a:schemeClr val="accent1"/>
+            </a:effectRef>
+            <a:fontRef idx="minor">
+              <a:schemeClr val="tx1"/>
+            </a:fontRef>
+          </p:style>
+        </p:cxnSp>
+        <p:cxnSp>
+          <p:nvCxnSpPr>
+            <p:cNvPr id="63" name="Straight Arrow Connector 62">
+              <a:extLst>
+                <a:ext uri="{FF2B5EF4-FFF2-40B4-BE49-F238E27FC236}">
+                  <a16:creationId xmlns:a16="http://schemas.microsoft.com/office/drawing/2014/main" id="{DD9A3FCE-E580-C246-806C-AACFECDEFA33}"/>
+                </a:ext>
+              </a:extLst>
+            </p:cNvPr>
+            <p:cNvCxnSpPr>
+              <a:cxnSpLocks/>
+              <a:stCxn id="33" idx="4"/>
+              <a:endCxn id="38" idx="0"/>
+            </p:cNvCxnSpPr>
+            <p:nvPr/>
+          </p:nvCxnSpPr>
+          <p:spPr>
+            <a:xfrm>
+              <a:off x="4781736" y="2835965"/>
+              <a:ext cx="0" cy="259681"/>
+            </a:xfrm>
+            <a:prstGeom prst="straightConnector1">
+              <a:avLst/>
+            </a:prstGeom>
+            <a:ln w="19050">
+              <a:solidFill>
+                <a:srgbClr val="C00000"/>
+              </a:solidFill>
+              <a:tailEnd type="triangle" w="lg" len="lg"/>
+            </a:ln>
+          </p:spPr>
+          <p:style>
+            <a:lnRef idx="1">
+              <a:schemeClr val="accent1"/>
+            </a:lnRef>
+            <a:fillRef idx="0">
+              <a:schemeClr val="accent1"/>
+            </a:fillRef>
+            <a:effectRef idx="0">
+              <a:schemeClr val="accent1"/>
+            </a:effectRef>
+            <a:fontRef idx="minor">
+              <a:schemeClr val="tx1"/>
+            </a:fontRef>
+          </p:style>
+        </p:cxnSp>
+        <p:cxnSp>
+          <p:nvCxnSpPr>
+            <p:cNvPr id="67" name="Straight Arrow Connector 66">
+              <a:extLst>
+                <a:ext uri="{FF2B5EF4-FFF2-40B4-BE49-F238E27FC236}">
+                  <a16:creationId xmlns:a16="http://schemas.microsoft.com/office/drawing/2014/main" id="{6F3362BA-D171-E440-B26F-33B474BE8F04}"/>
+                </a:ext>
+              </a:extLst>
+            </p:cNvPr>
+            <p:cNvCxnSpPr>
+              <a:cxnSpLocks/>
+            </p:cNvCxnSpPr>
+            <p:nvPr/>
+          </p:nvCxnSpPr>
+          <p:spPr>
+            <a:xfrm flipH="1">
+              <a:off x="5251947" y="1199183"/>
+              <a:ext cx="1546418" cy="579258"/>
+            </a:xfrm>
+            <a:prstGeom prst="straightConnector1">
+              <a:avLst/>
+            </a:prstGeom>
+            <a:ln w="19050">
+              <a:solidFill>
+                <a:srgbClr val="C00000"/>
+              </a:solidFill>
+              <a:tailEnd type="triangle" w="lg" len="lg"/>
+            </a:ln>
+          </p:spPr>
+          <p:style>
+            <a:lnRef idx="1">
+              <a:schemeClr val="accent1"/>
+            </a:lnRef>
+            <a:fillRef idx="0">
+              <a:schemeClr val="accent1"/>
+            </a:fillRef>
+            <a:effectRef idx="0">
+              <a:schemeClr val="accent1"/>
+            </a:effectRef>
+            <a:fontRef idx="minor">
+              <a:schemeClr val="tx1"/>
+            </a:fontRef>
+          </p:style>
+        </p:cxnSp>
+        <p:cxnSp>
+          <p:nvCxnSpPr>
+            <p:cNvPr id="70" name="Straight Arrow Connector 69">
+              <a:extLst>
+                <a:ext uri="{FF2B5EF4-FFF2-40B4-BE49-F238E27FC236}">
+                  <a16:creationId xmlns:a16="http://schemas.microsoft.com/office/drawing/2014/main" id="{DC2C187C-A39B-7846-BFD3-9B71339261A9}"/>
+                </a:ext>
+              </a:extLst>
+            </p:cNvPr>
+            <p:cNvCxnSpPr>
+              <a:cxnSpLocks/>
+            </p:cNvCxnSpPr>
+            <p:nvPr/>
+          </p:nvCxnSpPr>
+          <p:spPr>
+            <a:xfrm>
+              <a:off x="4244009" y="1273549"/>
+              <a:ext cx="340734" cy="511784"/>
+            </a:xfrm>
+            <a:prstGeom prst="straightConnector1">
+              <a:avLst/>
+            </a:prstGeom>
+            <a:ln w="19050">
+              <a:solidFill>
+                <a:srgbClr val="C00000"/>
+              </a:solidFill>
+              <a:tailEnd type="triangle" w="lg" len="lg"/>
+            </a:ln>
+          </p:spPr>
+          <p:style>
+            <a:lnRef idx="1">
+              <a:schemeClr val="accent1"/>
+            </a:lnRef>
+            <a:fillRef idx="0">
+              <a:schemeClr val="accent1"/>
+            </a:fillRef>
+            <a:effectRef idx="0">
+              <a:schemeClr val="accent1"/>
+            </a:effectRef>
+            <a:fontRef idx="minor">
+              <a:schemeClr val="tx1"/>
+            </a:fontRef>
+          </p:style>
+        </p:cxnSp>
+        <p:cxnSp>
+          <p:nvCxnSpPr>
+            <p:cNvPr id="73" name="Straight Arrow Connector 72">
+              <a:extLst>
+                <a:ext uri="{FF2B5EF4-FFF2-40B4-BE49-F238E27FC236}">
+                  <a16:creationId xmlns:a16="http://schemas.microsoft.com/office/drawing/2014/main" id="{555D6A48-018E-F54C-9294-00462D773B39}"/>
+                </a:ext>
+              </a:extLst>
+            </p:cNvPr>
+            <p:cNvCxnSpPr>
+              <a:cxnSpLocks/>
+            </p:cNvCxnSpPr>
+            <p:nvPr/>
+          </p:nvCxnSpPr>
+          <p:spPr>
+            <a:xfrm flipH="1">
+              <a:off x="4996601" y="1264462"/>
+              <a:ext cx="188710" cy="513979"/>
+            </a:xfrm>
+            <a:prstGeom prst="straightConnector1">
+              <a:avLst/>
+            </a:prstGeom>
+            <a:ln w="19050">
+              <a:solidFill>
+                <a:srgbClr val="C00000"/>
+              </a:solidFill>
+              <a:tailEnd type="triangle" w="lg" len="lg"/>
+            </a:ln>
+          </p:spPr>
+          <p:style>
+            <a:lnRef idx="1">
+              <a:schemeClr val="accent1"/>
+            </a:lnRef>
+            <a:fillRef idx="0">
+              <a:schemeClr val="accent1"/>
+            </a:fillRef>
+            <a:effectRef idx="0">
+              <a:schemeClr val="accent1"/>
+            </a:effectRef>
+            <a:fontRef idx="minor">
+              <a:schemeClr val="tx1"/>
+            </a:fontRef>
+          </p:style>
+        </p:cxnSp>
+        <p:grpSp>
+          <p:nvGrpSpPr>
+            <p:cNvPr id="7" name="Group 6">
+              <a:extLst>
+                <a:ext uri="{FF2B5EF4-FFF2-40B4-BE49-F238E27FC236}">
+                  <a16:creationId xmlns:a16="http://schemas.microsoft.com/office/drawing/2014/main" id="{D52676A8-4DA6-AC43-9840-3A0675ACF983}"/>
+                </a:ext>
+              </a:extLst>
+            </p:cNvPr>
+            <p:cNvGrpSpPr/>
+            <p:nvPr/>
+          </p:nvGrpSpPr>
+          <p:grpSpPr>
+            <a:xfrm>
+              <a:off x="1719469" y="764522"/>
+              <a:ext cx="1481253" cy="527566"/>
+              <a:chOff x="1719469" y="764522"/>
+              <a:chExt cx="1481253" cy="527566"/>
+            </a:xfrm>
+          </p:grpSpPr>
+          <p:sp>
+            <p:nvSpPr>
+              <p:cNvPr id="4" name="Oval 3">
+                <a:extLst>
+                  <a:ext uri="{FF2B5EF4-FFF2-40B4-BE49-F238E27FC236}">
+                    <a16:creationId xmlns:a16="http://schemas.microsoft.com/office/drawing/2014/main" id="{951FC4C8-1266-BE4B-8C95-6DAEF0B190BB}"/>
+                  </a:ext>
+                </a:extLst>
+              </p:cNvPr>
+              <p:cNvSpPr/>
+              <p:nvPr/>
+            </p:nvSpPr>
+            <p:spPr>
+              <a:xfrm>
+                <a:off x="1719469" y="764522"/>
+                <a:ext cx="1371600" cy="527566"/>
+              </a:xfrm>
+              <a:prstGeom prst="ellipse">
+                <a:avLst/>
+              </a:prstGeom>
+              <a:solidFill>
+                <a:schemeClr val="bg1"/>
+              </a:solidFill>
+              <a:ln w="19050">
+                <a:solidFill>
+                  <a:schemeClr val="tx1"/>
+                </a:solidFill>
+              </a:ln>
+            </p:spPr>
+            <p:style>
+              <a:lnRef idx="2">
+                <a:schemeClr val="accent1">
+                  <a:shade val="50000"/>
+                </a:schemeClr>
+              </a:lnRef>
+              <a:fillRef idx="1">
+                <a:schemeClr val="accent1"/>
+              </a:fillRef>
+              <a:effectRef idx="0">
+                <a:schemeClr val="accent1"/>
+              </a:effectRef>
+              <a:fontRef idx="minor">
+                <a:schemeClr val="lt1"/>
+              </a:fontRef>
+            </p:style>
+            <p:txBody>
+              <a:bodyPr rtlCol="0" anchor="ctr"/>
+              <a:lstStyle/>
+              <a:p>
+                <a:pPr algn="ctr"/>
+                <a:endParaRPr lang="en-US" sz="2800" dirty="0"/>
+              </a:p>
+            </p:txBody>
+          </p:sp>
+          <p:sp>
+            <p:nvSpPr>
+              <p:cNvPr id="5" name="TextBox 4">
+                <a:extLst>
+                  <a:ext uri="{FF2B5EF4-FFF2-40B4-BE49-F238E27FC236}">
+                    <a16:creationId xmlns:a16="http://schemas.microsoft.com/office/drawing/2014/main" id="{44F38B75-6BD5-C545-A497-E151ED5C6A8E}"/>
+                  </a:ext>
+                </a:extLst>
+              </p:cNvPr>
+              <p:cNvSpPr txBox="1"/>
+              <p:nvPr/>
+            </p:nvSpPr>
+            <p:spPr>
+              <a:xfrm>
+                <a:off x="1797980" y="869415"/>
+                <a:ext cx="1402742" cy="306121"/>
+              </a:xfrm>
+              <a:prstGeom prst="rect">
+                <a:avLst/>
+              </a:prstGeom>
+              <a:noFill/>
+            </p:spPr>
+            <p:txBody>
+              <a:bodyPr wrap="none" rtlCol="0">
+                <a:spAutoFit/>
+              </a:bodyPr>
+              <a:lstStyle/>
+              <a:p>
+                <a:r>
+                  <a:rPr lang="en-US" sz="2800" dirty="0" err="1"/>
+                  <a:t>app_double</a:t>
+                </a:r>
+                <a:endParaRPr lang="en-US" sz="2800" dirty="0"/>
+              </a:p>
+            </p:txBody>
+          </p:sp>
+        </p:grpSp>
+        <p:grpSp>
+          <p:nvGrpSpPr>
+            <p:cNvPr id="8" name="Group 7">
+              <a:extLst>
+                <a:ext uri="{FF2B5EF4-FFF2-40B4-BE49-F238E27FC236}">
+                  <a16:creationId xmlns:a16="http://schemas.microsoft.com/office/drawing/2014/main" id="{7F03B865-198B-D149-9D5C-FB920718AE1B}"/>
+                </a:ext>
+              </a:extLst>
+            </p:cNvPr>
+            <p:cNvGrpSpPr/>
+            <p:nvPr/>
+          </p:nvGrpSpPr>
+          <p:grpSpPr>
+            <a:xfrm>
+              <a:off x="3279779" y="764522"/>
+              <a:ext cx="1482572" cy="527566"/>
+              <a:chOff x="1719469" y="764522"/>
+              <a:chExt cx="1482572" cy="527566"/>
+            </a:xfrm>
+          </p:grpSpPr>
+          <p:sp>
+            <p:nvSpPr>
+              <p:cNvPr id="9" name="Oval 8">
+                <a:extLst>
+                  <a:ext uri="{FF2B5EF4-FFF2-40B4-BE49-F238E27FC236}">
+                    <a16:creationId xmlns:a16="http://schemas.microsoft.com/office/drawing/2014/main" id="{D0C48FB2-51BE-0549-AC63-68C669FCDFD3}"/>
+                  </a:ext>
+                </a:extLst>
+              </p:cNvPr>
+              <p:cNvSpPr/>
+              <p:nvPr/>
+            </p:nvSpPr>
+            <p:spPr>
+              <a:xfrm>
+                <a:off x="1719469" y="764522"/>
+                <a:ext cx="1371600" cy="527566"/>
+              </a:xfrm>
+              <a:prstGeom prst="ellipse">
+                <a:avLst/>
+              </a:prstGeom>
+              <a:solidFill>
+                <a:schemeClr val="bg1"/>
+              </a:solidFill>
+              <a:ln w="19050">
+                <a:solidFill>
+                  <a:schemeClr val="tx1"/>
+                </a:solidFill>
+              </a:ln>
+            </p:spPr>
+            <p:style>
+              <a:lnRef idx="2">
+                <a:schemeClr val="accent1">
+                  <a:shade val="50000"/>
+                </a:schemeClr>
+              </a:lnRef>
+              <a:fillRef idx="1">
+                <a:schemeClr val="accent1"/>
+              </a:fillRef>
+              <a:effectRef idx="0">
+                <a:schemeClr val="accent1"/>
+              </a:effectRef>
+              <a:fontRef idx="minor">
+                <a:schemeClr val="lt1"/>
+              </a:fontRef>
+            </p:style>
+            <p:txBody>
+              <a:bodyPr rtlCol="0" anchor="ctr"/>
+              <a:lstStyle/>
+              <a:p>
+                <a:pPr algn="ctr"/>
+                <a:endParaRPr lang="en-US" sz="2800" dirty="0"/>
+              </a:p>
+            </p:txBody>
+          </p:sp>
+          <p:sp>
+            <p:nvSpPr>
+              <p:cNvPr id="10" name="TextBox 9">
+                <a:extLst>
+                  <a:ext uri="{FF2B5EF4-FFF2-40B4-BE49-F238E27FC236}">
+                    <a16:creationId xmlns:a16="http://schemas.microsoft.com/office/drawing/2014/main" id="{F3CC25B3-106A-2240-A678-DCC41F45E713}"/>
+                  </a:ext>
+                </a:extLst>
+              </p:cNvPr>
+              <p:cNvSpPr txBox="1"/>
+              <p:nvPr/>
+            </p:nvSpPr>
+            <p:spPr>
+              <a:xfrm>
+                <a:off x="1799299" y="869415"/>
+                <a:ext cx="1402742" cy="306121"/>
+              </a:xfrm>
+              <a:prstGeom prst="rect">
+                <a:avLst/>
+              </a:prstGeom>
+              <a:noFill/>
+            </p:spPr>
+            <p:txBody>
+              <a:bodyPr wrap="none" rtlCol="0">
+                <a:spAutoFit/>
+              </a:bodyPr>
+              <a:lstStyle/>
+              <a:p>
+                <a:r>
+                  <a:rPr lang="en-US" sz="2800" dirty="0" err="1"/>
+                  <a:t>app_double</a:t>
+                </a:r>
+                <a:endParaRPr lang="en-US" sz="2800" dirty="0"/>
+              </a:p>
+            </p:txBody>
+          </p:sp>
+        </p:grpSp>
+        <p:grpSp>
+          <p:nvGrpSpPr>
+            <p:cNvPr id="11" name="Group 10">
+              <a:extLst>
+                <a:ext uri="{FF2B5EF4-FFF2-40B4-BE49-F238E27FC236}">
+                  <a16:creationId xmlns:a16="http://schemas.microsoft.com/office/drawing/2014/main" id="{B446CAEB-9990-734F-A3E7-D5DF5DBBECF3}"/>
+                </a:ext>
+              </a:extLst>
+            </p:cNvPr>
+            <p:cNvGrpSpPr/>
+            <p:nvPr/>
+          </p:nvGrpSpPr>
+          <p:grpSpPr>
+            <a:xfrm>
+              <a:off x="4840089" y="764522"/>
+              <a:ext cx="1479035" cy="527566"/>
+              <a:chOff x="1719469" y="764522"/>
+              <a:chExt cx="1479035" cy="527566"/>
+            </a:xfrm>
+          </p:grpSpPr>
+          <p:sp>
+            <p:nvSpPr>
+              <p:cNvPr id="12" name="Oval 11">
+                <a:extLst>
+                  <a:ext uri="{FF2B5EF4-FFF2-40B4-BE49-F238E27FC236}">
+                    <a16:creationId xmlns:a16="http://schemas.microsoft.com/office/drawing/2014/main" id="{7DA2CC37-86E8-9F47-AE63-DA53A580CA97}"/>
+                  </a:ext>
+                </a:extLst>
+              </p:cNvPr>
+              <p:cNvSpPr/>
+              <p:nvPr/>
+            </p:nvSpPr>
+            <p:spPr>
+              <a:xfrm>
+                <a:off x="1719469" y="764522"/>
+                <a:ext cx="1371600" cy="527566"/>
+              </a:xfrm>
+              <a:prstGeom prst="ellipse">
+                <a:avLst/>
+              </a:prstGeom>
+              <a:solidFill>
+                <a:schemeClr val="bg1"/>
+              </a:solidFill>
+              <a:ln w="19050">
+                <a:solidFill>
+                  <a:schemeClr val="tx1"/>
+                </a:solidFill>
+              </a:ln>
+            </p:spPr>
+            <p:style>
+              <a:lnRef idx="2">
+                <a:schemeClr val="accent1">
+                  <a:shade val="50000"/>
+                </a:schemeClr>
+              </a:lnRef>
+              <a:fillRef idx="1">
+                <a:schemeClr val="accent1"/>
+              </a:fillRef>
+              <a:effectRef idx="0">
+                <a:schemeClr val="accent1"/>
+              </a:effectRef>
+              <a:fontRef idx="minor">
+                <a:schemeClr val="lt1"/>
+              </a:fontRef>
+            </p:style>
+            <p:txBody>
+              <a:bodyPr rtlCol="0" anchor="ctr"/>
+              <a:lstStyle/>
+              <a:p>
+                <a:pPr algn="ctr"/>
+                <a:endParaRPr lang="en-US" sz="2800" dirty="0"/>
+              </a:p>
+            </p:txBody>
+          </p:sp>
+          <p:sp>
+            <p:nvSpPr>
+              <p:cNvPr id="13" name="TextBox 12">
+                <a:extLst>
+                  <a:ext uri="{FF2B5EF4-FFF2-40B4-BE49-F238E27FC236}">
+                    <a16:creationId xmlns:a16="http://schemas.microsoft.com/office/drawing/2014/main" id="{DF822A78-5106-7A4C-B613-6E88B42C086D}"/>
+                  </a:ext>
+                </a:extLst>
+              </p:cNvPr>
+              <p:cNvSpPr txBox="1"/>
+              <p:nvPr/>
+            </p:nvSpPr>
+            <p:spPr>
+              <a:xfrm>
+                <a:off x="1795762" y="869415"/>
+                <a:ext cx="1402742" cy="306121"/>
+              </a:xfrm>
+              <a:prstGeom prst="rect">
+                <a:avLst/>
+              </a:prstGeom>
+              <a:noFill/>
+            </p:spPr>
+            <p:txBody>
+              <a:bodyPr wrap="none" rtlCol="0">
+                <a:spAutoFit/>
+              </a:bodyPr>
+              <a:lstStyle/>
+              <a:p>
+                <a:r>
+                  <a:rPr lang="en-US" sz="2800" dirty="0" err="1"/>
+                  <a:t>app_double</a:t>
+                </a:r>
+                <a:endParaRPr lang="en-US" sz="2800" dirty="0"/>
+              </a:p>
+            </p:txBody>
+          </p:sp>
+        </p:grpSp>
+        <p:grpSp>
+          <p:nvGrpSpPr>
+            <p:cNvPr id="14" name="Group 13">
+              <a:extLst>
+                <a:ext uri="{FF2B5EF4-FFF2-40B4-BE49-F238E27FC236}">
+                  <a16:creationId xmlns:a16="http://schemas.microsoft.com/office/drawing/2014/main" id="{F9479A92-9471-7547-934C-52A4695892C6}"/>
+                </a:ext>
+              </a:extLst>
+            </p:cNvPr>
+            <p:cNvGrpSpPr/>
+            <p:nvPr/>
+          </p:nvGrpSpPr>
+          <p:grpSpPr>
+            <a:xfrm>
+              <a:off x="6400400" y="764522"/>
+              <a:ext cx="1502461" cy="527566"/>
+              <a:chOff x="1719469" y="764522"/>
+              <a:chExt cx="1502461" cy="527566"/>
+            </a:xfrm>
+          </p:grpSpPr>
+          <p:sp>
+            <p:nvSpPr>
+              <p:cNvPr id="15" name="Oval 14">
+                <a:extLst>
+                  <a:ext uri="{FF2B5EF4-FFF2-40B4-BE49-F238E27FC236}">
+                    <a16:creationId xmlns:a16="http://schemas.microsoft.com/office/drawing/2014/main" id="{AFA34C9A-A502-084F-9C58-1BF423C6DB60}"/>
+                  </a:ext>
+                </a:extLst>
+              </p:cNvPr>
+              <p:cNvSpPr/>
+              <p:nvPr/>
+            </p:nvSpPr>
+            <p:spPr>
+              <a:xfrm>
+                <a:off x="1719469" y="764522"/>
+                <a:ext cx="1371600" cy="527566"/>
+              </a:xfrm>
+              <a:prstGeom prst="ellipse">
+                <a:avLst/>
+              </a:prstGeom>
+              <a:solidFill>
+                <a:schemeClr val="bg1"/>
+              </a:solidFill>
+              <a:ln w="19050">
+                <a:solidFill>
+                  <a:schemeClr val="tx1"/>
+                </a:solidFill>
+              </a:ln>
+            </p:spPr>
+            <p:style>
+              <a:lnRef idx="2">
+                <a:schemeClr val="accent1">
+                  <a:shade val="50000"/>
+                </a:schemeClr>
+              </a:lnRef>
+              <a:fillRef idx="1">
+                <a:schemeClr val="accent1"/>
+              </a:fillRef>
+              <a:effectRef idx="0">
+                <a:schemeClr val="accent1"/>
+              </a:effectRef>
+              <a:fontRef idx="minor">
+                <a:schemeClr val="lt1"/>
+              </a:fontRef>
+            </p:style>
+            <p:txBody>
+              <a:bodyPr rtlCol="0" anchor="ctr"/>
+              <a:lstStyle/>
+              <a:p>
+                <a:pPr algn="ctr"/>
+                <a:endParaRPr lang="en-US" sz="2800" dirty="0"/>
+              </a:p>
+            </p:txBody>
+          </p:sp>
+          <p:sp>
+            <p:nvSpPr>
+              <p:cNvPr id="16" name="TextBox 15">
+                <a:extLst>
+                  <a:ext uri="{FF2B5EF4-FFF2-40B4-BE49-F238E27FC236}">
+                    <a16:creationId xmlns:a16="http://schemas.microsoft.com/office/drawing/2014/main" id="{FC424440-D03D-1A4A-81B5-B5BAB70F349A}"/>
+                  </a:ext>
+                </a:extLst>
+              </p:cNvPr>
+              <p:cNvSpPr txBox="1"/>
+              <p:nvPr/>
+            </p:nvSpPr>
+            <p:spPr>
+              <a:xfrm>
+                <a:off x="1819188" y="869415"/>
+                <a:ext cx="1402742" cy="306121"/>
+              </a:xfrm>
+              <a:prstGeom prst="rect">
+                <a:avLst/>
+              </a:prstGeom>
+              <a:noFill/>
+            </p:spPr>
+            <p:txBody>
+              <a:bodyPr wrap="none" rtlCol="0">
+                <a:spAutoFit/>
+              </a:bodyPr>
+              <a:lstStyle/>
+              <a:p>
+                <a:r>
+                  <a:rPr lang="en-US" sz="2800" dirty="0" err="1"/>
+                  <a:t>app_double</a:t>
+                </a:r>
+                <a:endParaRPr lang="en-US" sz="2800" dirty="0"/>
+              </a:p>
+            </p:txBody>
+          </p:sp>
+        </p:grpSp>
         <p:sp>
           <p:nvSpPr>
-            <p:cNvPr id="10" name="TextBox 9">
+            <p:cNvPr id="77" name="TextBox 76">
               <a:extLst>
                 <a:ext uri="{FF2B5EF4-FFF2-40B4-BE49-F238E27FC236}">
-                  <a16:creationId xmlns:a16="http://schemas.microsoft.com/office/drawing/2014/main" id="{F3CC25B3-106A-2240-A678-DCC41F45E713}"/>
+                  <a16:creationId xmlns:a16="http://schemas.microsoft.com/office/drawing/2014/main" id="{E257F29B-4920-704E-8989-2E4C1489E2EC}"/>
                 </a:ext>
               </a:extLst>
             </p:cNvPr>
@@ -4250,8 +4650,8 @@
           </p:nvSpPr>
           <p:spPr>
             <a:xfrm>
-              <a:off x="1773075" y="814217"/>
-              <a:ext cx="1309974" cy="369332"/>
+              <a:off x="3548571" y="30039"/>
+              <a:ext cx="697683" cy="270901"/>
             </a:xfrm>
             <a:prstGeom prst="rect">
               <a:avLst/>
@@ -4265,94 +4665,22 @@
             <a:lstStyle/>
             <a:p>
               <a:r>
-                <a:rPr lang="en-US" dirty="0" err="1"/>
-                <a:t>app_double</a:t>
+                <a:rPr lang="en-US" sz="2800" dirty="0">
+                  <a:solidFill>
+                    <a:srgbClr val="C00000"/>
+                  </a:solidFill>
+                </a:rPr>
+                <a:t>items:</a:t>
               </a:r>
-              <a:endParaRPr lang="en-US" dirty="0"/>
-            </a:p>
-          </p:txBody>
-        </p:sp>
-      </p:grpSp>
-      <p:grpSp>
-        <p:nvGrpSpPr>
-          <p:cNvPr id="11" name="Group 10">
-            <a:extLst>
-              <a:ext uri="{FF2B5EF4-FFF2-40B4-BE49-F238E27FC236}">
-                <a16:creationId xmlns:a16="http://schemas.microsoft.com/office/drawing/2014/main" id="{B446CAEB-9990-734F-A3E7-D5DF5DBBECF3}"/>
-              </a:ext>
-            </a:extLst>
-          </p:cNvPr>
-          <p:cNvGrpSpPr/>
-          <p:nvPr/>
-        </p:nvGrpSpPr>
-        <p:grpSpPr>
-          <a:xfrm>
-            <a:off x="4840089" y="764522"/>
-            <a:ext cx="1371600" cy="527566"/>
-            <a:chOff x="1719469" y="764522"/>
-            <a:chExt cx="1371600" cy="527566"/>
-          </a:xfrm>
-        </p:grpSpPr>
-        <p:sp>
-          <p:nvSpPr>
-            <p:cNvPr id="12" name="Oval 11">
-              <a:extLst>
-                <a:ext uri="{FF2B5EF4-FFF2-40B4-BE49-F238E27FC236}">
-                  <a16:creationId xmlns:a16="http://schemas.microsoft.com/office/drawing/2014/main" id="{7DA2CC37-86E8-9F47-AE63-DA53A580CA97}"/>
-                </a:ext>
-              </a:extLst>
-            </p:cNvPr>
-            <p:cNvSpPr/>
-            <p:nvPr/>
-          </p:nvSpPr>
-          <p:spPr>
-            <a:xfrm>
-              <a:off x="1719469" y="764522"/>
-              <a:ext cx="1371600" cy="527566"/>
-            </a:xfrm>
-            <a:prstGeom prst="ellipse">
-              <a:avLst/>
-            </a:prstGeom>
-            <a:solidFill>
-              <a:schemeClr val="bg1"/>
-            </a:solidFill>
-            <a:ln w="19050">
-              <a:solidFill>
-                <a:schemeClr val="tx1"/>
-              </a:solidFill>
-            </a:ln>
-          </p:spPr>
-          <p:style>
-            <a:lnRef idx="2">
-              <a:schemeClr val="accent1">
-                <a:shade val="50000"/>
-              </a:schemeClr>
-            </a:lnRef>
-            <a:fillRef idx="1">
-              <a:schemeClr val="accent1"/>
-            </a:fillRef>
-            <a:effectRef idx="0">
-              <a:schemeClr val="accent1"/>
-            </a:effectRef>
-            <a:fontRef idx="minor">
-              <a:schemeClr val="lt1"/>
-            </a:fontRef>
-          </p:style>
-          <p:txBody>
-            <a:bodyPr rtlCol="0" anchor="ctr"/>
-            <a:lstStyle/>
-            <a:p>
-              <a:pPr algn="ctr"/>
-              <a:endParaRPr lang="en-US" dirty="0"/>
             </a:p>
           </p:txBody>
         </p:sp>
         <p:sp>
           <p:nvSpPr>
-            <p:cNvPr id="13" name="TextBox 12">
+            <p:cNvPr id="78" name="TextBox 77">
               <a:extLst>
                 <a:ext uri="{FF2B5EF4-FFF2-40B4-BE49-F238E27FC236}">
-                  <a16:creationId xmlns:a16="http://schemas.microsoft.com/office/drawing/2014/main" id="{DF822A78-5106-7A4C-B613-6E88B42C086D}"/>
+                  <a16:creationId xmlns:a16="http://schemas.microsoft.com/office/drawing/2014/main" id="{F7FC6A79-2831-E249-AB38-ACED6C399321}"/>
                 </a:ext>
               </a:extLst>
             </p:cNvPr>
@@ -4361,8 +4689,8 @@
           </p:nvSpPr>
           <p:spPr>
             <a:xfrm>
-              <a:off x="1773075" y="814217"/>
-              <a:ext cx="1309974" cy="369332"/>
+              <a:off x="2596990" y="1790597"/>
+              <a:ext cx="1694974" cy="270901"/>
             </a:xfrm>
             <a:prstGeom prst="rect">
               <a:avLst/>
@@ -4376,94 +4704,30 @@
             <a:lstStyle/>
             <a:p>
               <a:r>
-                <a:rPr lang="en-US" dirty="0" err="1"/>
-                <a:t>app_double</a:t>
+                <a:rPr lang="en-US" sz="2800" dirty="0" err="1">
+                  <a:solidFill>
+                    <a:srgbClr val="C00000"/>
+                  </a:solidFill>
+                </a:rPr>
+                <a:t>mapped_results</a:t>
               </a:r>
-              <a:endParaRPr lang="en-US" dirty="0"/>
-            </a:p>
-          </p:txBody>
-        </p:sp>
-      </p:grpSp>
-      <p:grpSp>
-        <p:nvGrpSpPr>
-          <p:cNvPr id="14" name="Group 13">
-            <a:extLst>
-              <a:ext uri="{FF2B5EF4-FFF2-40B4-BE49-F238E27FC236}">
-                <a16:creationId xmlns:a16="http://schemas.microsoft.com/office/drawing/2014/main" id="{F9479A92-9471-7547-934C-52A4695892C6}"/>
-              </a:ext>
-            </a:extLst>
-          </p:cNvPr>
-          <p:cNvGrpSpPr/>
-          <p:nvPr/>
-        </p:nvGrpSpPr>
-        <p:grpSpPr>
-          <a:xfrm>
-            <a:off x="6400400" y="764522"/>
-            <a:ext cx="1371600" cy="527566"/>
-            <a:chOff x="1719469" y="764522"/>
-            <a:chExt cx="1371600" cy="527566"/>
-          </a:xfrm>
-        </p:grpSpPr>
-        <p:sp>
-          <p:nvSpPr>
-            <p:cNvPr id="15" name="Oval 14">
-              <a:extLst>
-                <a:ext uri="{FF2B5EF4-FFF2-40B4-BE49-F238E27FC236}">
-                  <a16:creationId xmlns:a16="http://schemas.microsoft.com/office/drawing/2014/main" id="{AFA34C9A-A502-084F-9C58-1BF423C6DB60}"/>
-                </a:ext>
-              </a:extLst>
-            </p:cNvPr>
-            <p:cNvSpPr/>
-            <p:nvPr/>
-          </p:nvSpPr>
-          <p:spPr>
-            <a:xfrm>
-              <a:off x="1719469" y="764522"/>
-              <a:ext cx="1371600" cy="527566"/>
-            </a:xfrm>
-            <a:prstGeom prst="ellipse">
-              <a:avLst/>
-            </a:prstGeom>
-            <a:solidFill>
-              <a:schemeClr val="bg1"/>
-            </a:solidFill>
-            <a:ln w="19050">
-              <a:solidFill>
-                <a:schemeClr val="tx1"/>
-              </a:solidFill>
-            </a:ln>
-          </p:spPr>
-          <p:style>
-            <a:lnRef idx="2">
-              <a:schemeClr val="accent1">
-                <a:shade val="50000"/>
-              </a:schemeClr>
-            </a:lnRef>
-            <a:fillRef idx="1">
-              <a:schemeClr val="accent1"/>
-            </a:fillRef>
-            <a:effectRef idx="0">
-              <a:schemeClr val="accent1"/>
-            </a:effectRef>
-            <a:fontRef idx="minor">
-              <a:schemeClr val="lt1"/>
-            </a:fontRef>
-          </p:style>
-          <p:txBody>
-            <a:bodyPr rtlCol="0" anchor="ctr"/>
-            <a:lstStyle/>
-            <a:p>
-              <a:pPr algn="ctr"/>
-              <a:endParaRPr lang="en-US" dirty="0"/>
+              <a:r>
+                <a:rPr lang="en-US" sz="2800" dirty="0">
+                  <a:solidFill>
+                    <a:srgbClr val="C00000"/>
+                  </a:solidFill>
+                </a:rPr>
+                <a:t>:</a:t>
+              </a:r>
             </a:p>
           </p:txBody>
         </p:sp>
         <p:sp>
           <p:nvSpPr>
-            <p:cNvPr id="16" name="TextBox 15">
+            <p:cNvPr id="80" name="TextBox 79">
               <a:extLst>
                 <a:ext uri="{FF2B5EF4-FFF2-40B4-BE49-F238E27FC236}">
-                  <a16:creationId xmlns:a16="http://schemas.microsoft.com/office/drawing/2014/main" id="{FC424440-D03D-1A4A-81B5-B5BAB70F349A}"/>
+                  <a16:creationId xmlns:a16="http://schemas.microsoft.com/office/drawing/2014/main" id="{36765AD1-EFFC-AA4D-98C3-3D5B0CA5EE72}"/>
                 </a:ext>
               </a:extLst>
             </p:cNvPr>
@@ -4472,8 +4736,8 @@
           </p:nvSpPr>
           <p:spPr>
             <a:xfrm>
-              <a:off x="1773075" y="814217"/>
-              <a:ext cx="1309974" cy="369332"/>
+              <a:off x="3914220" y="3103307"/>
+              <a:ext cx="614679" cy="270901"/>
             </a:xfrm>
             <a:prstGeom prst="rect">
               <a:avLst/>
@@ -4487,174 +4751,135 @@
             <a:lstStyle/>
             <a:p>
               <a:r>
-                <a:rPr lang="en-US" dirty="0" err="1"/>
-                <a:t>app_double</a:t>
+                <a:rPr lang="en-US" sz="2800" dirty="0">
+                  <a:solidFill>
+                    <a:srgbClr val="C00000"/>
+                  </a:solidFill>
+                </a:rPr>
+                <a:t>total:</a:t>
               </a:r>
-              <a:endParaRPr lang="en-US" dirty="0"/>
             </a:p>
           </p:txBody>
         </p:sp>
       </p:grpSp>
       <p:sp>
         <p:nvSpPr>
-          <p:cNvPr id="77" name="TextBox 76">
-            <a:extLst>
-              <a:ext uri="{FF2B5EF4-FFF2-40B4-BE49-F238E27FC236}">
-                <a16:creationId xmlns:a16="http://schemas.microsoft.com/office/drawing/2014/main" id="{E257F29B-4920-704E-8989-2E4C1489E2EC}"/>
-              </a:ext>
-            </a:extLst>
-          </p:cNvPr>
-          <p:cNvSpPr txBox="1"/>
+          <p:cNvPr id="85" name="Oval 84">
+            <a:extLst>
+              <a:ext uri="{FF2B5EF4-FFF2-40B4-BE49-F238E27FC236}">
+                <a16:creationId xmlns:a16="http://schemas.microsoft.com/office/drawing/2014/main" id="{D324CA00-7A4F-A648-AD39-9A01EA05AFDC}"/>
+              </a:ext>
+            </a:extLst>
+          </p:cNvPr>
+          <p:cNvSpPr/>
           <p:nvPr/>
         </p:nvSpPr>
         <p:spPr>
           <a:xfrm>
-            <a:off x="3512568" y="-13440"/>
-            <a:ext cx="764055" cy="369332"/>
+            <a:off x="8597193" y="5116980"/>
+            <a:ext cx="1137447" cy="559854"/>
+          </a:xfrm>
+          <a:prstGeom prst="ellipse">
+            <a:avLst/>
+          </a:prstGeom>
+          <a:solidFill>
+            <a:schemeClr val="bg1"/>
+          </a:solidFill>
+          <a:ln w="19050">
+            <a:solidFill>
+              <a:schemeClr val="tx1"/>
+            </a:solidFill>
+          </a:ln>
+        </p:spPr>
+        <p:style>
+          <a:lnRef idx="2">
+            <a:schemeClr val="accent1">
+              <a:shade val="50000"/>
+            </a:schemeClr>
+          </a:lnRef>
+          <a:fillRef idx="1">
+            <a:schemeClr val="accent1"/>
+          </a:fillRef>
+          <a:effectRef idx="0">
+            <a:schemeClr val="accent1"/>
+          </a:effectRef>
+          <a:fontRef idx="minor">
+            <a:schemeClr val="lt1"/>
+          </a:fontRef>
+        </p:style>
+        <p:txBody>
+          <a:bodyPr rtlCol="0" anchor="ctr"/>
+          <a:lstStyle/>
+          <a:p>
+            <a:pPr algn="ctr"/>
+            <a:r>
+              <a:rPr lang="en-US" sz="2800" dirty="0">
+                <a:solidFill>
+                  <a:schemeClr val="tx1"/>
+                </a:solidFill>
+              </a:rPr>
+              <a:t>task</a:t>
+            </a:r>
+          </a:p>
+        </p:txBody>
+      </p:sp>
+      <p:sp>
+        <p:nvSpPr>
+          <p:cNvPr id="86" name="Rectangle 85">
+            <a:extLst>
+              <a:ext uri="{FF2B5EF4-FFF2-40B4-BE49-F238E27FC236}">
+                <a16:creationId xmlns:a16="http://schemas.microsoft.com/office/drawing/2014/main" id="{556B280C-36D1-F14D-AD87-2415C43BCA13}"/>
+              </a:ext>
+            </a:extLst>
+          </p:cNvPr>
+          <p:cNvSpPr/>
+          <p:nvPr/>
+        </p:nvSpPr>
+        <p:spPr>
+          <a:xfrm>
+            <a:off x="8760058" y="5806673"/>
+            <a:ext cx="827503" cy="397697"/>
           </a:xfrm>
           <a:prstGeom prst="rect">
             <a:avLst/>
           </a:prstGeom>
-          <a:noFill/>
+          <a:solidFill>
+            <a:schemeClr val="bg1"/>
+          </a:solidFill>
+          <a:ln w="19050">
+            <a:solidFill>
+              <a:srgbClr val="C00000"/>
+            </a:solidFill>
+          </a:ln>
         </p:spPr>
-        <p:txBody>
-          <a:bodyPr wrap="none" rtlCol="0">
-            <a:spAutoFit/>
-          </a:bodyPr>
+        <p:style>
+          <a:lnRef idx="2">
+            <a:schemeClr val="accent1">
+              <a:shade val="50000"/>
+            </a:schemeClr>
+          </a:lnRef>
+          <a:fillRef idx="1">
+            <a:schemeClr val="accent1"/>
+          </a:fillRef>
+          <a:effectRef idx="0">
+            <a:schemeClr val="accent1"/>
+          </a:effectRef>
+          <a:fontRef idx="minor">
+            <a:schemeClr val="lt1"/>
+          </a:fontRef>
+        </p:style>
+        <p:txBody>
+          <a:bodyPr rtlCol="0" anchor="ctr"/>
           <a:lstStyle/>
           <a:p>
-            <a:r>
-              <a:rPr lang="en-US" dirty="0">
+            <a:pPr algn="ctr"/>
+            <a:r>
+              <a:rPr lang="en-US" sz="2800" dirty="0">
                 <a:solidFill>
-                  <a:schemeClr val="accent2"/>
+                  <a:srgbClr val="C00000"/>
                 </a:solidFill>
               </a:rPr>
-              <a:t>Items:</a:t>
-            </a:r>
-          </a:p>
-        </p:txBody>
-      </p:sp>
-      <p:sp>
-        <p:nvSpPr>
-          <p:cNvPr id="78" name="TextBox 77">
-            <a:extLst>
-              <a:ext uri="{FF2B5EF4-FFF2-40B4-BE49-F238E27FC236}">
-                <a16:creationId xmlns:a16="http://schemas.microsoft.com/office/drawing/2014/main" id="{F7FC6A79-2831-E249-AB38-ACED6C399321}"/>
-              </a:ext>
-            </a:extLst>
-          </p:cNvPr>
-          <p:cNvSpPr txBox="1"/>
-          <p:nvPr/>
-        </p:nvSpPr>
-        <p:spPr>
-          <a:xfrm>
-            <a:off x="2567385" y="1749429"/>
-            <a:ext cx="1762214" cy="369332"/>
-          </a:xfrm>
-          <a:prstGeom prst="rect">
-            <a:avLst/>
-          </a:prstGeom>
-          <a:noFill/>
-        </p:spPr>
-        <p:txBody>
-          <a:bodyPr wrap="none" rtlCol="0">
-            <a:spAutoFit/>
-          </a:bodyPr>
-          <a:lstStyle/>
-          <a:p>
-            <a:r>
-              <a:rPr lang="en-US" dirty="0" err="1">
-                <a:solidFill>
-                  <a:schemeClr val="accent2"/>
-                </a:solidFill>
-              </a:rPr>
-              <a:t>mapped_results</a:t>
-            </a:r>
-            <a:r>
-              <a:rPr lang="en-US" dirty="0">
-                <a:solidFill>
-                  <a:schemeClr val="accent2"/>
-                </a:solidFill>
-              </a:rPr>
-              <a:t>:</a:t>
-            </a:r>
-          </a:p>
-        </p:txBody>
-      </p:sp>
-      <p:sp>
-        <p:nvSpPr>
-          <p:cNvPr id="79" name="TextBox 78">
-            <a:extLst>
-              <a:ext uri="{FF2B5EF4-FFF2-40B4-BE49-F238E27FC236}">
-                <a16:creationId xmlns:a16="http://schemas.microsoft.com/office/drawing/2014/main" id="{A0A372B3-BD5D-E84C-B0DC-F3DF979D841F}"/>
-              </a:ext>
-            </a:extLst>
-          </p:cNvPr>
-          <p:cNvSpPr txBox="1"/>
-          <p:nvPr/>
-        </p:nvSpPr>
-        <p:spPr>
-          <a:xfrm>
-            <a:off x="3512568" y="-13440"/>
-            <a:ext cx="701539" cy="369332"/>
-          </a:xfrm>
-          <a:prstGeom prst="rect">
-            <a:avLst/>
-          </a:prstGeom>
-          <a:noFill/>
-        </p:spPr>
-        <p:txBody>
-          <a:bodyPr wrap="none" rtlCol="0">
-            <a:spAutoFit/>
-          </a:bodyPr>
-          <a:lstStyle/>
-          <a:p>
-            <a:r>
-              <a:rPr lang="en-US" dirty="0">
-                <a:solidFill>
-                  <a:schemeClr val="accent2"/>
-                </a:solidFill>
-              </a:rPr>
-              <a:t>items</a:t>
-            </a:r>
-          </a:p>
-        </p:txBody>
-      </p:sp>
-      <p:sp>
-        <p:nvSpPr>
-          <p:cNvPr id="80" name="TextBox 79">
-            <a:extLst>
-              <a:ext uri="{FF2B5EF4-FFF2-40B4-BE49-F238E27FC236}">
-                <a16:creationId xmlns:a16="http://schemas.microsoft.com/office/drawing/2014/main" id="{36765AD1-EFFC-AA4D-98C3-3D5B0CA5EE72}"/>
-              </a:ext>
-            </a:extLst>
-          </p:cNvPr>
-          <p:cNvSpPr txBox="1"/>
-          <p:nvPr/>
-        </p:nvSpPr>
-        <p:spPr>
-          <a:xfrm>
-            <a:off x="3882121" y="3044366"/>
-            <a:ext cx="681340" cy="369332"/>
-          </a:xfrm>
-          <a:prstGeom prst="rect">
-            <a:avLst/>
-          </a:prstGeom>
-          <a:noFill/>
-        </p:spPr>
-        <p:txBody>
-          <a:bodyPr wrap="none" rtlCol="0">
-            <a:spAutoFit/>
-          </a:bodyPr>
-          <a:lstStyle/>
-          <a:p>
-            <a:r>
-              <a:rPr lang="en-US" dirty="0">
-                <a:solidFill>
-                  <a:schemeClr val="accent2"/>
-                </a:solidFill>
-              </a:rPr>
-              <a:t>total:</a:t>
+              <a:t>data</a:t>
             </a:r>
           </a:p>
         </p:txBody>
